--- a/prime_test/Prime Results_Objects.pptx
+++ b/prime_test/Prime Results_Objects.pptx
@@ -11286,7 +11286,7 @@
           <a:p>
             <a:fld id="{13585F07-08D1-409A-BB73-0387627A9819}" type="datetimeFigureOut">
               <a:rPr lang="en-US" smtClean="0"/>
-              <a:t>10/16/2019</a:t>
+              <a:t>10/17/2019</a:t>
             </a:fld>
             <a:endParaRPr lang="en-US"/>
           </a:p>
@@ -12696,7 +12696,7 @@
           <a:p>
             <a:fld id="{861217D5-DBFA-4EA7-A7D3-E79C9167BBEB}" type="datetimeFigureOut">
               <a:rPr lang="en-US" smtClean="0"/>
-              <a:t>10/16/2019</a:t>
+              <a:t>10/17/2019</a:t>
             </a:fld>
             <a:endParaRPr lang="en-US"/>
           </a:p>
@@ -13784,7 +13784,7 @@
           <a:p>
             <a:fld id="{861217D5-DBFA-4EA7-A7D3-E79C9167BBEB}" type="datetimeFigureOut">
               <a:rPr lang="en-US" smtClean="0"/>
-              <a:t>10/16/2019</a:t>
+              <a:t>10/17/2019</a:t>
             </a:fld>
             <a:endParaRPr lang="en-US"/>
           </a:p>
@@ -14764,7 +14764,7 @@
           <a:p>
             <a:fld id="{861217D5-DBFA-4EA7-A7D3-E79C9167BBEB}" type="datetimeFigureOut">
               <a:rPr lang="en-US" smtClean="0"/>
-              <a:t>10/16/2019</a:t>
+              <a:t>10/17/2019</a:t>
             </a:fld>
             <a:endParaRPr lang="en-US"/>
           </a:p>
@@ -15898,7 +15898,7 @@
           <a:p>
             <a:fld id="{861217D5-DBFA-4EA7-A7D3-E79C9167BBEB}" type="datetimeFigureOut">
               <a:rPr lang="en-US" smtClean="0"/>
-              <a:t>10/16/2019</a:t>
+              <a:t>10/17/2019</a:t>
             </a:fld>
             <a:endParaRPr lang="en-US"/>
           </a:p>
@@ -16931,7 +16931,7 @@
           <a:p>
             <a:fld id="{861217D5-DBFA-4EA7-A7D3-E79C9167BBEB}" type="datetimeFigureOut">
               <a:rPr lang="en-US" smtClean="0"/>
-              <a:t>10/16/2019</a:t>
+              <a:t>10/17/2019</a:t>
             </a:fld>
             <a:endParaRPr lang="en-US"/>
           </a:p>
@@ -17591,7 +17591,7 @@
           <a:p>
             <a:fld id="{861217D5-DBFA-4EA7-A7D3-E79C9167BBEB}" type="datetimeFigureOut">
               <a:rPr lang="en-US" smtClean="0"/>
-              <a:t>10/16/2019</a:t>
+              <a:t>10/17/2019</a:t>
             </a:fld>
             <a:endParaRPr lang="en-US"/>
           </a:p>
@@ -18452,7 +18452,7 @@
           <a:p>
             <a:fld id="{861217D5-DBFA-4EA7-A7D3-E79C9167BBEB}" type="datetimeFigureOut">
               <a:rPr lang="en-US" smtClean="0"/>
-              <a:t>10/16/2019</a:t>
+              <a:t>10/17/2019</a:t>
             </a:fld>
             <a:endParaRPr lang="en-US"/>
           </a:p>
@@ -18642,7 +18642,7 @@
           <a:p>
             <a:fld id="{861217D5-DBFA-4EA7-A7D3-E79C9167BBEB}" type="datetimeFigureOut">
               <a:rPr lang="en-US" smtClean="0"/>
-              <a:t>10/16/2019</a:t>
+              <a:t>10/17/2019</a:t>
             </a:fld>
             <a:endParaRPr lang="en-US"/>
           </a:p>
@@ -19614,7 +19614,7 @@
           <a:p>
             <a:fld id="{861217D5-DBFA-4EA7-A7D3-E79C9167BBEB}" type="datetimeFigureOut">
               <a:rPr lang="en-US" smtClean="0"/>
-              <a:t>10/16/2019</a:t>
+              <a:t>10/17/2019</a:t>
             </a:fld>
             <a:endParaRPr lang="en-US"/>
           </a:p>
@@ -19825,7 +19825,7 @@
           <a:p>
             <a:fld id="{861217D5-DBFA-4EA7-A7D3-E79C9167BBEB}" type="datetimeFigureOut">
               <a:rPr lang="en-US" smtClean="0"/>
-              <a:t>10/16/2019</a:t>
+              <a:t>10/17/2019</a:t>
             </a:fld>
             <a:endParaRPr lang="en-US"/>
           </a:p>
@@ -20859,7 +20859,7 @@
           <a:p>
             <a:fld id="{861217D5-DBFA-4EA7-A7D3-E79C9167BBEB}" type="datetimeFigureOut">
               <a:rPr lang="en-US" smtClean="0"/>
-              <a:t>10/16/2019</a:t>
+              <a:t>10/17/2019</a:t>
             </a:fld>
             <a:endParaRPr lang="en-US"/>
           </a:p>
@@ -21131,7 +21131,7 @@
           <a:p>
             <a:fld id="{861217D5-DBFA-4EA7-A7D3-E79C9167BBEB}" type="datetimeFigureOut">
               <a:rPr lang="en-US" smtClean="0"/>
-              <a:t>10/16/2019</a:t>
+              <a:t>10/17/2019</a:t>
             </a:fld>
             <a:endParaRPr lang="en-US"/>
           </a:p>
@@ -21541,7 +21541,7 @@
           <a:p>
             <a:fld id="{861217D5-DBFA-4EA7-A7D3-E79C9167BBEB}" type="datetimeFigureOut">
               <a:rPr lang="en-US" smtClean="0"/>
-              <a:t>10/16/2019</a:t>
+              <a:t>10/17/2019</a:t>
             </a:fld>
             <a:endParaRPr lang="en-US"/>
           </a:p>
@@ -21668,7 +21668,7 @@
           <a:p>
             <a:fld id="{861217D5-DBFA-4EA7-A7D3-E79C9167BBEB}" type="datetimeFigureOut">
               <a:rPr lang="en-US" smtClean="0"/>
-              <a:t>10/16/2019</a:t>
+              <a:t>10/17/2019</a:t>
             </a:fld>
             <a:endParaRPr lang="en-US"/>
           </a:p>
@@ -21763,7 +21763,7 @@
           <a:p>
             <a:fld id="{861217D5-DBFA-4EA7-A7D3-E79C9167BBEB}" type="datetimeFigureOut">
               <a:rPr lang="en-US" smtClean="0"/>
-              <a:t>10/16/2019</a:t>
+              <a:t>10/17/2019</a:t>
             </a:fld>
             <a:endParaRPr lang="en-US"/>
           </a:p>
@@ -22844,7 +22844,7 @@
           <a:p>
             <a:fld id="{861217D5-DBFA-4EA7-A7D3-E79C9167BBEB}" type="datetimeFigureOut">
               <a:rPr lang="en-US" smtClean="0"/>
-              <a:t>10/16/2019</a:t>
+              <a:t>10/17/2019</a:t>
             </a:fld>
             <a:endParaRPr lang="en-US"/>
           </a:p>
@@ -23952,7 +23952,7 @@
           <a:p>
             <a:fld id="{861217D5-DBFA-4EA7-A7D3-E79C9167BBEB}" type="datetimeFigureOut">
               <a:rPr lang="en-US" smtClean="0"/>
-              <a:t>10/16/2019</a:t>
+              <a:t>10/17/2019</a:t>
             </a:fld>
             <a:endParaRPr lang="en-US"/>
           </a:p>
@@ -24949,7 +24949,7 @@
           <a:p>
             <a:fld id="{861217D5-DBFA-4EA7-A7D3-E79C9167BBEB}" type="datetimeFigureOut">
               <a:rPr lang="en-US" smtClean="0"/>
-              <a:t>10/16/2019</a:t>
+              <a:t>10/17/2019</a:t>
             </a:fld>
             <a:endParaRPr lang="en-US"/>
           </a:p>
@@ -29565,7 +29565,7 @@
                 </a:solidFill>
                 <a:latin typeface="Consolas" panose="020B0609020204030204" pitchFamily="49" charset="0"/>
               </a:rPr>
-              <a:t>// 2 - 10k, 1m, 5m</a:t>
+              <a:t>// 2 - 10k</a:t>
             </a:r>
             <a:endParaRPr lang="en-US" noProof="1">
               <a:solidFill>
@@ -29831,6 +29831,21 @@
               </a:rPr>
               <a:t>; i &lt;= max_divisor; i++) {</a:t>
             </a:r>
+            <a:r>
+              <a:rPr lang="en-US" noProof="1">
+                <a:solidFill>
+                  <a:srgbClr val="6A9955"/>
+                </a:solidFill>
+                <a:latin typeface="Consolas" panose="020B0609020204030204" pitchFamily="49" charset="0"/>
+              </a:rPr>
+              <a:t>// check for divisors</a:t>
+            </a:r>
+            <a:endParaRPr lang="en-US" noProof="1">
+              <a:solidFill>
+                <a:srgbClr val="D4D4D4"/>
+              </a:solidFill>
+              <a:latin typeface="Consolas" panose="020B0609020204030204" pitchFamily="49" charset="0"/>
+            </a:endParaRPr>
           </a:p>
           <a:p>
             <a:pPr marL="0" indent="0">
@@ -30059,8 +30074,23 @@
                 </a:solidFill>
                 <a:latin typeface="Consolas" panose="020B0609020204030204" pitchFamily="49" charset="0"/>
               </a:rPr>
-              <a:t>            num_primes_found++;</a:t>
-            </a:r>
+              <a:t>            num_primes_found++; </a:t>
+            </a:r>
+            <a:r>
+              <a:rPr lang="en-US" noProof="1">
+                <a:solidFill>
+                  <a:srgbClr val="6A9955"/>
+                </a:solidFill>
+                <a:latin typeface="Consolas" panose="020B0609020204030204" pitchFamily="49" charset="0"/>
+              </a:rPr>
+              <a:t>// count primes</a:t>
+            </a:r>
+            <a:endParaRPr lang="en-US" noProof="1">
+              <a:solidFill>
+                <a:srgbClr val="D4D4D4"/>
+              </a:solidFill>
+              <a:latin typeface="Consolas" panose="020B0609020204030204" pitchFamily="49" charset="0"/>
+            </a:endParaRPr>
           </a:p>
           <a:p>
             <a:pPr marL="0" indent="0">
